--- a/Presentation.pptx
+++ b/Presentation.pptx
@@ -6,6 +6,15 @@
   </p:sldMasterIdLst>
   <p:sldIdLst>
     <p:sldId id="256" r:id="rId2"/>
+    <p:sldId id="257" r:id="rId3"/>
+    <p:sldId id="258" r:id="rId4"/>
+    <p:sldId id="259" r:id="rId5"/>
+    <p:sldId id="260" r:id="rId6"/>
+    <p:sldId id="261" r:id="rId7"/>
+    <p:sldId id="262" r:id="rId8"/>
+    <p:sldId id="263" r:id="rId9"/>
+    <p:sldId id="264" r:id="rId10"/>
+    <p:sldId id="265" r:id="rId11"/>
   </p:sldIdLst>
   <p:sldSz cx="12192000" cy="6858000"/>
   <p:notesSz cx="6858000" cy="9144000"/>
@@ -104,6 +113,11 @@
       </a:defRPr>
     </a:lvl9pPr>
   </p:defaultTextStyle>
+  <p:extLst>
+    <p:ext uri="{EFAFB233-063F-42B5-8137-9DF3F51BA10A}">
+      <p15:sldGuideLst xmlns:p15="http://schemas.microsoft.com/office/powerpoint/2012/main"/>
+    </p:ext>
+  </p:extLst>
 </p:presentation>
 </file>
 
@@ -254,7 +268,7 @@
           <a:p>
             <a:fld id="{35A0B1F9-69DB-49D9-A0B4-44B101C4D74A}" type="datetimeFigureOut">
               <a:rPr lang="fr-FR" smtClean="0"/>
-              <a:t>30/11/2018</a:t>
+              <a:t>03/12/2018</a:t>
             </a:fld>
             <a:endParaRPr lang="fr-FR"/>
           </a:p>
@@ -452,7 +466,7 @@
           <a:p>
             <a:fld id="{35A0B1F9-69DB-49D9-A0B4-44B101C4D74A}" type="datetimeFigureOut">
               <a:rPr lang="fr-FR" smtClean="0"/>
-              <a:t>30/11/2018</a:t>
+              <a:t>03/12/2018</a:t>
             </a:fld>
             <a:endParaRPr lang="fr-FR"/>
           </a:p>
@@ -660,7 +674,7 @@
           <a:p>
             <a:fld id="{35A0B1F9-69DB-49D9-A0B4-44B101C4D74A}" type="datetimeFigureOut">
               <a:rPr lang="fr-FR" smtClean="0"/>
-              <a:t>30/11/2018</a:t>
+              <a:t>03/12/2018</a:t>
             </a:fld>
             <a:endParaRPr lang="fr-FR"/>
           </a:p>
@@ -858,7 +872,7 @@
           <a:p>
             <a:fld id="{35A0B1F9-69DB-49D9-A0B4-44B101C4D74A}" type="datetimeFigureOut">
               <a:rPr lang="fr-FR" smtClean="0"/>
-              <a:t>30/11/2018</a:t>
+              <a:t>03/12/2018</a:t>
             </a:fld>
             <a:endParaRPr lang="fr-FR"/>
           </a:p>
@@ -1133,7 +1147,7 @@
           <a:p>
             <a:fld id="{35A0B1F9-69DB-49D9-A0B4-44B101C4D74A}" type="datetimeFigureOut">
               <a:rPr lang="fr-FR" smtClean="0"/>
-              <a:t>30/11/2018</a:t>
+              <a:t>03/12/2018</a:t>
             </a:fld>
             <a:endParaRPr lang="fr-FR"/>
           </a:p>
@@ -1398,7 +1412,7 @@
           <a:p>
             <a:fld id="{35A0B1F9-69DB-49D9-A0B4-44B101C4D74A}" type="datetimeFigureOut">
               <a:rPr lang="fr-FR" smtClean="0"/>
-              <a:t>30/11/2018</a:t>
+              <a:t>03/12/2018</a:t>
             </a:fld>
             <a:endParaRPr lang="fr-FR"/>
           </a:p>
@@ -1810,7 +1824,7 @@
           <a:p>
             <a:fld id="{35A0B1F9-69DB-49D9-A0B4-44B101C4D74A}" type="datetimeFigureOut">
               <a:rPr lang="fr-FR" smtClean="0"/>
-              <a:t>30/11/2018</a:t>
+              <a:t>03/12/2018</a:t>
             </a:fld>
             <a:endParaRPr lang="fr-FR"/>
           </a:p>
@@ -1951,7 +1965,7 @@
           <a:p>
             <a:fld id="{35A0B1F9-69DB-49D9-A0B4-44B101C4D74A}" type="datetimeFigureOut">
               <a:rPr lang="fr-FR" smtClean="0"/>
-              <a:t>30/11/2018</a:t>
+              <a:t>03/12/2018</a:t>
             </a:fld>
             <a:endParaRPr lang="fr-FR"/>
           </a:p>
@@ -2064,7 +2078,7 @@
           <a:p>
             <a:fld id="{35A0B1F9-69DB-49D9-A0B4-44B101C4D74A}" type="datetimeFigureOut">
               <a:rPr lang="fr-FR" smtClean="0"/>
-              <a:t>30/11/2018</a:t>
+              <a:t>03/12/2018</a:t>
             </a:fld>
             <a:endParaRPr lang="fr-FR"/>
           </a:p>
@@ -2375,7 +2389,7 @@
           <a:p>
             <a:fld id="{35A0B1F9-69DB-49D9-A0B4-44B101C4D74A}" type="datetimeFigureOut">
               <a:rPr lang="fr-FR" smtClean="0"/>
-              <a:t>30/11/2018</a:t>
+              <a:t>03/12/2018</a:t>
             </a:fld>
             <a:endParaRPr lang="fr-FR"/>
           </a:p>
@@ -2663,7 +2677,7 @@
           <a:p>
             <a:fld id="{35A0B1F9-69DB-49D9-A0B4-44B101C4D74A}" type="datetimeFigureOut">
               <a:rPr lang="fr-FR" smtClean="0"/>
-              <a:t>30/11/2018</a:t>
+              <a:t>03/12/2018</a:t>
             </a:fld>
             <a:endParaRPr lang="fr-FR"/>
           </a:p>
@@ -2904,7 +2918,7 @@
           <a:p>
             <a:fld id="{35A0B1F9-69DB-49D9-A0B4-44B101C4D74A}" type="datetimeFigureOut">
               <a:rPr lang="fr-FR" smtClean="0"/>
-              <a:t>30/11/2018</a:t>
+              <a:t>03/12/2018</a:t>
             </a:fld>
             <a:endParaRPr lang="fr-FR"/>
           </a:p>
@@ -3391,6 +3405,750 @@
 </p:sld>
 </file>
 
+<file path=ppt/slides/slide10.xml><?xml version="1.0" encoding="utf-8"?>
+<p:sld xmlns:a="http://schemas.openxmlformats.org/drawingml/2006/main" xmlns:r="http://schemas.openxmlformats.org/officeDocument/2006/relationships" xmlns:p="http://schemas.openxmlformats.org/presentationml/2006/main">
+  <p:cSld>
+    <p:spTree>
+      <p:nvGrpSpPr>
+        <p:cNvPr id="1" name=""/>
+        <p:cNvGrpSpPr/>
+        <p:nvPr/>
+      </p:nvGrpSpPr>
+      <p:grpSpPr>
+        <a:xfrm>
+          <a:off x="0" y="0"/>
+          <a:ext cx="0" cy="0"/>
+          <a:chOff x="0" y="0"/>
+          <a:chExt cx="0" cy="0"/>
+        </a:xfrm>
+      </p:grpSpPr>
+      <p:sp>
+        <p:nvSpPr>
+          <p:cNvPr id="2" name="Titre 1">
+            <a:extLst>
+              <a:ext uri="{FF2B5EF4-FFF2-40B4-BE49-F238E27FC236}">
+                <a16:creationId xmlns:a16="http://schemas.microsoft.com/office/drawing/2014/main" id="{3E3F838A-2262-4343-B976-DDA64069E693}"/>
+              </a:ext>
+            </a:extLst>
+          </p:cNvPr>
+          <p:cNvSpPr>
+            <a:spLocks noGrp="1"/>
+          </p:cNvSpPr>
+          <p:nvPr>
+            <p:ph type="title"/>
+          </p:nvPr>
+        </p:nvSpPr>
+        <p:spPr/>
+        <p:txBody>
+          <a:bodyPr/>
+          <a:lstStyle/>
+          <a:p>
+            <a:r>
+              <a:rPr lang="fr-FR"/>
+              <a:t>Démonstration</a:t>
+            </a:r>
+          </a:p>
+        </p:txBody>
+      </p:sp>
+      <p:sp>
+        <p:nvSpPr>
+          <p:cNvPr id="3" name="Espace réservé du contenu 2">
+            <a:extLst>
+              <a:ext uri="{FF2B5EF4-FFF2-40B4-BE49-F238E27FC236}">
+                <a16:creationId xmlns:a16="http://schemas.microsoft.com/office/drawing/2014/main" id="{25841004-B7EC-4C23-8BA2-1AEE3F4FAC66}"/>
+              </a:ext>
+            </a:extLst>
+          </p:cNvPr>
+          <p:cNvSpPr>
+            <a:spLocks noGrp="1"/>
+          </p:cNvSpPr>
+          <p:nvPr>
+            <p:ph idx="1"/>
+          </p:nvPr>
+        </p:nvSpPr>
+        <p:spPr/>
+        <p:txBody>
+          <a:bodyPr/>
+          <a:lstStyle/>
+          <a:p>
+            <a:endParaRPr lang="fr-FR"/>
+          </a:p>
+        </p:txBody>
+      </p:sp>
+    </p:spTree>
+    <p:extLst>
+      <p:ext uri="{BB962C8B-B14F-4D97-AF65-F5344CB8AC3E}">
+        <p14:creationId xmlns:p14="http://schemas.microsoft.com/office/powerpoint/2010/main" val="2247746015"/>
+      </p:ext>
+    </p:extLst>
+  </p:cSld>
+  <p:clrMapOvr>
+    <a:masterClrMapping/>
+  </p:clrMapOvr>
+</p:sld>
+</file>
+
+<file path=ppt/slides/slide2.xml><?xml version="1.0" encoding="utf-8"?>
+<p:sld xmlns:a="http://schemas.openxmlformats.org/drawingml/2006/main" xmlns:r="http://schemas.openxmlformats.org/officeDocument/2006/relationships" xmlns:p="http://schemas.openxmlformats.org/presentationml/2006/main">
+  <p:cSld>
+    <p:spTree>
+      <p:nvGrpSpPr>
+        <p:cNvPr id="1" name=""/>
+        <p:cNvGrpSpPr/>
+        <p:nvPr/>
+      </p:nvGrpSpPr>
+      <p:grpSpPr>
+        <a:xfrm>
+          <a:off x="0" y="0"/>
+          <a:ext cx="0" cy="0"/>
+          <a:chOff x="0" y="0"/>
+          <a:chExt cx="0" cy="0"/>
+        </a:xfrm>
+      </p:grpSpPr>
+      <p:sp>
+        <p:nvSpPr>
+          <p:cNvPr id="2" name="Titre 1">
+            <a:extLst>
+              <a:ext uri="{FF2B5EF4-FFF2-40B4-BE49-F238E27FC236}">
+                <a16:creationId xmlns:a16="http://schemas.microsoft.com/office/drawing/2014/main" id="{1D55ED1C-9F66-4053-BC82-D7D624242637}"/>
+              </a:ext>
+            </a:extLst>
+          </p:cNvPr>
+          <p:cNvSpPr>
+            <a:spLocks noGrp="1"/>
+          </p:cNvSpPr>
+          <p:nvPr>
+            <p:ph type="title"/>
+          </p:nvPr>
+        </p:nvSpPr>
+        <p:spPr/>
+        <p:txBody>
+          <a:bodyPr/>
+          <a:lstStyle/>
+          <a:p>
+            <a:endParaRPr lang="fr-FR"/>
+          </a:p>
+        </p:txBody>
+      </p:sp>
+      <p:sp>
+        <p:nvSpPr>
+          <p:cNvPr id="3" name="Espace réservé du contenu 2">
+            <a:extLst>
+              <a:ext uri="{FF2B5EF4-FFF2-40B4-BE49-F238E27FC236}">
+                <a16:creationId xmlns:a16="http://schemas.microsoft.com/office/drawing/2014/main" id="{442986FF-A2CE-49DD-B17A-9D9324010678}"/>
+              </a:ext>
+            </a:extLst>
+          </p:cNvPr>
+          <p:cNvSpPr>
+            <a:spLocks noGrp="1"/>
+          </p:cNvSpPr>
+          <p:nvPr>
+            <p:ph idx="1"/>
+          </p:nvPr>
+        </p:nvSpPr>
+        <p:spPr/>
+        <p:txBody>
+          <a:bodyPr/>
+          <a:lstStyle/>
+          <a:p>
+            <a:endParaRPr lang="fr-FR"/>
+          </a:p>
+        </p:txBody>
+      </p:sp>
+    </p:spTree>
+    <p:extLst>
+      <p:ext uri="{BB962C8B-B14F-4D97-AF65-F5344CB8AC3E}">
+        <p14:creationId xmlns:p14="http://schemas.microsoft.com/office/powerpoint/2010/main" val="477873594"/>
+      </p:ext>
+    </p:extLst>
+  </p:cSld>
+  <p:clrMapOvr>
+    <a:masterClrMapping/>
+  </p:clrMapOvr>
+</p:sld>
+</file>
+
+<file path=ppt/slides/slide3.xml><?xml version="1.0" encoding="utf-8"?>
+<p:sld xmlns:a="http://schemas.openxmlformats.org/drawingml/2006/main" xmlns:r="http://schemas.openxmlformats.org/officeDocument/2006/relationships" xmlns:p="http://schemas.openxmlformats.org/presentationml/2006/main">
+  <p:cSld>
+    <p:spTree>
+      <p:nvGrpSpPr>
+        <p:cNvPr id="1" name=""/>
+        <p:cNvGrpSpPr/>
+        <p:nvPr/>
+      </p:nvGrpSpPr>
+      <p:grpSpPr>
+        <a:xfrm>
+          <a:off x="0" y="0"/>
+          <a:ext cx="0" cy="0"/>
+          <a:chOff x="0" y="0"/>
+          <a:chExt cx="0" cy="0"/>
+        </a:xfrm>
+      </p:grpSpPr>
+      <p:sp>
+        <p:nvSpPr>
+          <p:cNvPr id="2" name="Titre 1">
+            <a:extLst>
+              <a:ext uri="{FF2B5EF4-FFF2-40B4-BE49-F238E27FC236}">
+                <a16:creationId xmlns:a16="http://schemas.microsoft.com/office/drawing/2014/main" id="{9465E179-C452-44E1-BCD7-309CA3F6ECAA}"/>
+              </a:ext>
+            </a:extLst>
+          </p:cNvPr>
+          <p:cNvSpPr>
+            <a:spLocks noGrp="1"/>
+          </p:cNvSpPr>
+          <p:nvPr>
+            <p:ph type="title"/>
+          </p:nvPr>
+        </p:nvSpPr>
+        <p:spPr/>
+        <p:txBody>
+          <a:bodyPr/>
+          <a:lstStyle/>
+          <a:p>
+            <a:r>
+              <a:rPr lang="fr-FR" dirty="0"/>
+              <a:t>Contexte du projet et fonctionnalités</a:t>
+            </a:r>
+          </a:p>
+        </p:txBody>
+      </p:sp>
+      <p:sp>
+        <p:nvSpPr>
+          <p:cNvPr id="3" name="Espace réservé du contenu 2">
+            <a:extLst>
+              <a:ext uri="{FF2B5EF4-FFF2-40B4-BE49-F238E27FC236}">
+                <a16:creationId xmlns:a16="http://schemas.microsoft.com/office/drawing/2014/main" id="{C5A8DEBC-6AEA-4876-A5FD-18C28F6BB114}"/>
+              </a:ext>
+            </a:extLst>
+          </p:cNvPr>
+          <p:cNvSpPr>
+            <a:spLocks noGrp="1"/>
+          </p:cNvSpPr>
+          <p:nvPr>
+            <p:ph idx="1"/>
+          </p:nvPr>
+        </p:nvSpPr>
+        <p:spPr/>
+        <p:txBody>
+          <a:bodyPr/>
+          <a:lstStyle/>
+          <a:p>
+            <a:endParaRPr lang="fr-FR"/>
+          </a:p>
+        </p:txBody>
+      </p:sp>
+    </p:spTree>
+    <p:extLst>
+      <p:ext uri="{BB962C8B-B14F-4D97-AF65-F5344CB8AC3E}">
+        <p14:creationId xmlns:p14="http://schemas.microsoft.com/office/powerpoint/2010/main" val="2778844515"/>
+      </p:ext>
+    </p:extLst>
+  </p:cSld>
+  <p:clrMapOvr>
+    <a:masterClrMapping/>
+  </p:clrMapOvr>
+</p:sld>
+</file>
+
+<file path=ppt/slides/slide4.xml><?xml version="1.0" encoding="utf-8"?>
+<p:sld xmlns:a="http://schemas.openxmlformats.org/drawingml/2006/main" xmlns:r="http://schemas.openxmlformats.org/officeDocument/2006/relationships" xmlns:p="http://schemas.openxmlformats.org/presentationml/2006/main">
+  <p:cSld>
+    <p:spTree>
+      <p:nvGrpSpPr>
+        <p:cNvPr id="1" name=""/>
+        <p:cNvGrpSpPr/>
+        <p:nvPr/>
+      </p:nvGrpSpPr>
+      <p:grpSpPr>
+        <a:xfrm>
+          <a:off x="0" y="0"/>
+          <a:ext cx="0" cy="0"/>
+          <a:chOff x="0" y="0"/>
+          <a:chExt cx="0" cy="0"/>
+        </a:xfrm>
+      </p:grpSpPr>
+      <p:sp>
+        <p:nvSpPr>
+          <p:cNvPr id="2" name="Titre 1">
+            <a:extLst>
+              <a:ext uri="{FF2B5EF4-FFF2-40B4-BE49-F238E27FC236}">
+                <a16:creationId xmlns:a16="http://schemas.microsoft.com/office/drawing/2014/main" id="{0FCCB27B-2E1D-49A1-AF6B-261791502340}"/>
+              </a:ext>
+            </a:extLst>
+          </p:cNvPr>
+          <p:cNvSpPr>
+            <a:spLocks noGrp="1"/>
+          </p:cNvSpPr>
+          <p:nvPr>
+            <p:ph type="title"/>
+          </p:nvPr>
+        </p:nvSpPr>
+        <p:spPr/>
+        <p:txBody>
+          <a:bodyPr/>
+          <a:lstStyle/>
+          <a:p>
+            <a:r>
+              <a:rPr lang="fr-FR" dirty="0"/>
+              <a:t>Diagrammes</a:t>
+            </a:r>
+          </a:p>
+        </p:txBody>
+      </p:sp>
+      <p:sp>
+        <p:nvSpPr>
+          <p:cNvPr id="3" name="Espace réservé du contenu 2">
+            <a:extLst>
+              <a:ext uri="{FF2B5EF4-FFF2-40B4-BE49-F238E27FC236}">
+                <a16:creationId xmlns:a16="http://schemas.microsoft.com/office/drawing/2014/main" id="{ADD0F343-637B-4516-9B4B-1BE86805B082}"/>
+              </a:ext>
+            </a:extLst>
+          </p:cNvPr>
+          <p:cNvSpPr>
+            <a:spLocks noGrp="1"/>
+          </p:cNvSpPr>
+          <p:nvPr>
+            <p:ph idx="1"/>
+          </p:nvPr>
+        </p:nvSpPr>
+        <p:spPr/>
+        <p:txBody>
+          <a:bodyPr/>
+          <a:lstStyle/>
+          <a:p>
+            <a:endParaRPr lang="fr-FR"/>
+          </a:p>
+        </p:txBody>
+      </p:sp>
+    </p:spTree>
+    <p:extLst>
+      <p:ext uri="{BB962C8B-B14F-4D97-AF65-F5344CB8AC3E}">
+        <p14:creationId xmlns:p14="http://schemas.microsoft.com/office/powerpoint/2010/main" val="3096533284"/>
+      </p:ext>
+    </p:extLst>
+  </p:cSld>
+  <p:clrMapOvr>
+    <a:masterClrMapping/>
+  </p:clrMapOvr>
+</p:sld>
+</file>
+
+<file path=ppt/slides/slide5.xml><?xml version="1.0" encoding="utf-8"?>
+<p:sld xmlns:a="http://schemas.openxmlformats.org/drawingml/2006/main" xmlns:r="http://schemas.openxmlformats.org/officeDocument/2006/relationships" xmlns:p="http://schemas.openxmlformats.org/presentationml/2006/main">
+  <p:cSld>
+    <p:spTree>
+      <p:nvGrpSpPr>
+        <p:cNvPr id="1" name=""/>
+        <p:cNvGrpSpPr/>
+        <p:nvPr/>
+      </p:nvGrpSpPr>
+      <p:grpSpPr>
+        <a:xfrm>
+          <a:off x="0" y="0"/>
+          <a:ext cx="0" cy="0"/>
+          <a:chOff x="0" y="0"/>
+          <a:chExt cx="0" cy="0"/>
+        </a:xfrm>
+      </p:grpSpPr>
+      <p:sp>
+        <p:nvSpPr>
+          <p:cNvPr id="2" name="Titre 1">
+            <a:extLst>
+              <a:ext uri="{FF2B5EF4-FFF2-40B4-BE49-F238E27FC236}">
+                <a16:creationId xmlns:a16="http://schemas.microsoft.com/office/drawing/2014/main" id="{DFE5A8F8-B298-4647-ABAD-743A34ED1C2F}"/>
+              </a:ext>
+            </a:extLst>
+          </p:cNvPr>
+          <p:cNvSpPr>
+            <a:spLocks noGrp="1"/>
+          </p:cNvSpPr>
+          <p:nvPr>
+            <p:ph type="title"/>
+          </p:nvPr>
+        </p:nvSpPr>
+        <p:spPr/>
+        <p:txBody>
+          <a:bodyPr/>
+          <a:lstStyle/>
+          <a:p>
+            <a:r>
+              <a:rPr lang="fr-FR" dirty="0"/>
+              <a:t>Sprint 1</a:t>
+            </a:r>
+          </a:p>
+        </p:txBody>
+      </p:sp>
+      <p:sp>
+        <p:nvSpPr>
+          <p:cNvPr id="3" name="Espace réservé du contenu 2">
+            <a:extLst>
+              <a:ext uri="{FF2B5EF4-FFF2-40B4-BE49-F238E27FC236}">
+                <a16:creationId xmlns:a16="http://schemas.microsoft.com/office/drawing/2014/main" id="{21274F79-0C1B-43A9-BC47-9FA8E3FD7C95}"/>
+              </a:ext>
+            </a:extLst>
+          </p:cNvPr>
+          <p:cNvSpPr>
+            <a:spLocks noGrp="1"/>
+          </p:cNvSpPr>
+          <p:nvPr>
+            <p:ph idx="1"/>
+          </p:nvPr>
+        </p:nvSpPr>
+        <p:spPr/>
+        <p:txBody>
+          <a:bodyPr/>
+          <a:lstStyle/>
+          <a:p>
+            <a:endParaRPr lang="fr-FR"/>
+          </a:p>
+        </p:txBody>
+      </p:sp>
+    </p:spTree>
+    <p:extLst>
+      <p:ext uri="{BB962C8B-B14F-4D97-AF65-F5344CB8AC3E}">
+        <p14:creationId xmlns:p14="http://schemas.microsoft.com/office/powerpoint/2010/main" val="1276739838"/>
+      </p:ext>
+    </p:extLst>
+  </p:cSld>
+  <p:clrMapOvr>
+    <a:masterClrMapping/>
+  </p:clrMapOvr>
+</p:sld>
+</file>
+
+<file path=ppt/slides/slide6.xml><?xml version="1.0" encoding="utf-8"?>
+<p:sld xmlns:a="http://schemas.openxmlformats.org/drawingml/2006/main" xmlns:r="http://schemas.openxmlformats.org/officeDocument/2006/relationships" xmlns:p="http://schemas.openxmlformats.org/presentationml/2006/main">
+  <p:cSld>
+    <p:spTree>
+      <p:nvGrpSpPr>
+        <p:cNvPr id="1" name=""/>
+        <p:cNvGrpSpPr/>
+        <p:nvPr/>
+      </p:nvGrpSpPr>
+      <p:grpSpPr>
+        <a:xfrm>
+          <a:off x="0" y="0"/>
+          <a:ext cx="0" cy="0"/>
+          <a:chOff x="0" y="0"/>
+          <a:chExt cx="0" cy="0"/>
+        </a:xfrm>
+      </p:grpSpPr>
+      <p:sp>
+        <p:nvSpPr>
+          <p:cNvPr id="2" name="Titre 1">
+            <a:extLst>
+              <a:ext uri="{FF2B5EF4-FFF2-40B4-BE49-F238E27FC236}">
+                <a16:creationId xmlns:a16="http://schemas.microsoft.com/office/drawing/2014/main" id="{649C269E-5C2F-4327-8ED7-646A40FE21E0}"/>
+              </a:ext>
+            </a:extLst>
+          </p:cNvPr>
+          <p:cNvSpPr>
+            <a:spLocks noGrp="1"/>
+          </p:cNvSpPr>
+          <p:nvPr>
+            <p:ph type="title"/>
+          </p:nvPr>
+        </p:nvSpPr>
+        <p:spPr/>
+        <p:txBody>
+          <a:bodyPr/>
+          <a:lstStyle/>
+          <a:p>
+            <a:r>
+              <a:rPr lang="fr-FR" dirty="0"/>
+              <a:t>Sprint 2</a:t>
+            </a:r>
+          </a:p>
+        </p:txBody>
+      </p:sp>
+      <p:sp>
+        <p:nvSpPr>
+          <p:cNvPr id="3" name="Espace réservé du contenu 2">
+            <a:extLst>
+              <a:ext uri="{FF2B5EF4-FFF2-40B4-BE49-F238E27FC236}">
+                <a16:creationId xmlns:a16="http://schemas.microsoft.com/office/drawing/2014/main" id="{6F5DF70A-F5A7-4DCE-B216-64469C566364}"/>
+              </a:ext>
+            </a:extLst>
+          </p:cNvPr>
+          <p:cNvSpPr>
+            <a:spLocks noGrp="1"/>
+          </p:cNvSpPr>
+          <p:nvPr>
+            <p:ph idx="1"/>
+          </p:nvPr>
+        </p:nvSpPr>
+        <p:spPr/>
+        <p:txBody>
+          <a:bodyPr/>
+          <a:lstStyle/>
+          <a:p>
+            <a:endParaRPr lang="fr-FR"/>
+          </a:p>
+        </p:txBody>
+      </p:sp>
+    </p:spTree>
+    <p:extLst>
+      <p:ext uri="{BB962C8B-B14F-4D97-AF65-F5344CB8AC3E}">
+        <p14:creationId xmlns:p14="http://schemas.microsoft.com/office/powerpoint/2010/main" val="1943926972"/>
+      </p:ext>
+    </p:extLst>
+  </p:cSld>
+  <p:clrMapOvr>
+    <a:masterClrMapping/>
+  </p:clrMapOvr>
+</p:sld>
+</file>
+
+<file path=ppt/slides/slide7.xml><?xml version="1.0" encoding="utf-8"?>
+<p:sld xmlns:a="http://schemas.openxmlformats.org/drawingml/2006/main" xmlns:r="http://schemas.openxmlformats.org/officeDocument/2006/relationships" xmlns:p="http://schemas.openxmlformats.org/presentationml/2006/main">
+  <p:cSld>
+    <p:spTree>
+      <p:nvGrpSpPr>
+        <p:cNvPr id="1" name=""/>
+        <p:cNvGrpSpPr/>
+        <p:nvPr/>
+      </p:nvGrpSpPr>
+      <p:grpSpPr>
+        <a:xfrm>
+          <a:off x="0" y="0"/>
+          <a:ext cx="0" cy="0"/>
+          <a:chOff x="0" y="0"/>
+          <a:chExt cx="0" cy="0"/>
+        </a:xfrm>
+      </p:grpSpPr>
+      <p:sp>
+        <p:nvSpPr>
+          <p:cNvPr id="2" name="Titre 1">
+            <a:extLst>
+              <a:ext uri="{FF2B5EF4-FFF2-40B4-BE49-F238E27FC236}">
+                <a16:creationId xmlns:a16="http://schemas.microsoft.com/office/drawing/2014/main" id="{2972057F-4E32-48F2-933B-F6BB0E61AB7A}"/>
+              </a:ext>
+            </a:extLst>
+          </p:cNvPr>
+          <p:cNvSpPr>
+            <a:spLocks noGrp="1"/>
+          </p:cNvSpPr>
+          <p:nvPr>
+            <p:ph type="title"/>
+          </p:nvPr>
+        </p:nvSpPr>
+        <p:spPr/>
+        <p:txBody>
+          <a:bodyPr/>
+          <a:lstStyle/>
+          <a:p>
+            <a:r>
+              <a:rPr lang="fr-FR" dirty="0"/>
+              <a:t>Sprint 3</a:t>
+            </a:r>
+          </a:p>
+        </p:txBody>
+      </p:sp>
+      <p:sp>
+        <p:nvSpPr>
+          <p:cNvPr id="3" name="Espace réservé du contenu 2">
+            <a:extLst>
+              <a:ext uri="{FF2B5EF4-FFF2-40B4-BE49-F238E27FC236}">
+                <a16:creationId xmlns:a16="http://schemas.microsoft.com/office/drawing/2014/main" id="{EE750D6E-5F72-49F8-A20D-916B93571896}"/>
+              </a:ext>
+            </a:extLst>
+          </p:cNvPr>
+          <p:cNvSpPr>
+            <a:spLocks noGrp="1"/>
+          </p:cNvSpPr>
+          <p:nvPr>
+            <p:ph idx="1"/>
+          </p:nvPr>
+        </p:nvSpPr>
+        <p:spPr/>
+        <p:txBody>
+          <a:bodyPr/>
+          <a:lstStyle/>
+          <a:p>
+            <a:endParaRPr lang="fr-FR"/>
+          </a:p>
+        </p:txBody>
+      </p:sp>
+    </p:spTree>
+    <p:extLst>
+      <p:ext uri="{BB962C8B-B14F-4D97-AF65-F5344CB8AC3E}">
+        <p14:creationId xmlns:p14="http://schemas.microsoft.com/office/powerpoint/2010/main" val="1187030591"/>
+      </p:ext>
+    </p:extLst>
+  </p:cSld>
+  <p:clrMapOvr>
+    <a:masterClrMapping/>
+  </p:clrMapOvr>
+</p:sld>
+</file>
+
+<file path=ppt/slides/slide8.xml><?xml version="1.0" encoding="utf-8"?>
+<p:sld xmlns:a="http://schemas.openxmlformats.org/drawingml/2006/main" xmlns:r="http://schemas.openxmlformats.org/officeDocument/2006/relationships" xmlns:p="http://schemas.openxmlformats.org/presentationml/2006/main">
+  <p:cSld>
+    <p:spTree>
+      <p:nvGrpSpPr>
+        <p:cNvPr id="1" name=""/>
+        <p:cNvGrpSpPr/>
+        <p:nvPr/>
+      </p:nvGrpSpPr>
+      <p:grpSpPr>
+        <a:xfrm>
+          <a:off x="0" y="0"/>
+          <a:ext cx="0" cy="0"/>
+          <a:chOff x="0" y="0"/>
+          <a:chExt cx="0" cy="0"/>
+        </a:xfrm>
+      </p:grpSpPr>
+      <p:sp>
+        <p:nvSpPr>
+          <p:cNvPr id="2" name="Titre 1">
+            <a:extLst>
+              <a:ext uri="{FF2B5EF4-FFF2-40B4-BE49-F238E27FC236}">
+                <a16:creationId xmlns:a16="http://schemas.microsoft.com/office/drawing/2014/main" id="{255CD5D8-EC9B-4855-B7B6-5320C8AD36B6}"/>
+              </a:ext>
+            </a:extLst>
+          </p:cNvPr>
+          <p:cNvSpPr>
+            <a:spLocks noGrp="1"/>
+          </p:cNvSpPr>
+          <p:nvPr>
+            <p:ph type="title"/>
+          </p:nvPr>
+        </p:nvSpPr>
+        <p:spPr/>
+        <p:txBody>
+          <a:bodyPr/>
+          <a:lstStyle/>
+          <a:p>
+            <a:r>
+              <a:rPr lang="fr-FR" dirty="0"/>
+              <a:t>Sprint 4</a:t>
+            </a:r>
+          </a:p>
+        </p:txBody>
+      </p:sp>
+      <p:sp>
+        <p:nvSpPr>
+          <p:cNvPr id="3" name="Espace réservé du contenu 2">
+            <a:extLst>
+              <a:ext uri="{FF2B5EF4-FFF2-40B4-BE49-F238E27FC236}">
+                <a16:creationId xmlns:a16="http://schemas.microsoft.com/office/drawing/2014/main" id="{AA55CCDF-BD13-4C72-A408-3E4876935687}"/>
+              </a:ext>
+            </a:extLst>
+          </p:cNvPr>
+          <p:cNvSpPr>
+            <a:spLocks noGrp="1"/>
+          </p:cNvSpPr>
+          <p:nvPr>
+            <p:ph idx="1"/>
+          </p:nvPr>
+        </p:nvSpPr>
+        <p:spPr/>
+        <p:txBody>
+          <a:bodyPr/>
+          <a:lstStyle/>
+          <a:p>
+            <a:endParaRPr lang="fr-FR"/>
+          </a:p>
+        </p:txBody>
+      </p:sp>
+    </p:spTree>
+    <p:extLst>
+      <p:ext uri="{BB962C8B-B14F-4D97-AF65-F5344CB8AC3E}">
+        <p14:creationId xmlns:p14="http://schemas.microsoft.com/office/powerpoint/2010/main" val="4118879453"/>
+      </p:ext>
+    </p:extLst>
+  </p:cSld>
+  <p:clrMapOvr>
+    <a:masterClrMapping/>
+  </p:clrMapOvr>
+</p:sld>
+</file>
+
+<file path=ppt/slides/slide9.xml><?xml version="1.0" encoding="utf-8"?>
+<p:sld xmlns:a="http://schemas.openxmlformats.org/drawingml/2006/main" xmlns:r="http://schemas.openxmlformats.org/officeDocument/2006/relationships" xmlns:p="http://schemas.openxmlformats.org/presentationml/2006/main">
+  <p:cSld>
+    <p:spTree>
+      <p:nvGrpSpPr>
+        <p:cNvPr id="1" name=""/>
+        <p:cNvGrpSpPr/>
+        <p:nvPr/>
+      </p:nvGrpSpPr>
+      <p:grpSpPr>
+        <a:xfrm>
+          <a:off x="0" y="0"/>
+          <a:ext cx="0" cy="0"/>
+          <a:chOff x="0" y="0"/>
+          <a:chExt cx="0" cy="0"/>
+        </a:xfrm>
+      </p:grpSpPr>
+      <p:sp>
+        <p:nvSpPr>
+          <p:cNvPr id="2" name="Titre 1">
+            <a:extLst>
+              <a:ext uri="{FF2B5EF4-FFF2-40B4-BE49-F238E27FC236}">
+                <a16:creationId xmlns:a16="http://schemas.microsoft.com/office/drawing/2014/main" id="{2A216FA4-056D-4803-BD7A-DB36C3E128D1}"/>
+              </a:ext>
+            </a:extLst>
+          </p:cNvPr>
+          <p:cNvSpPr>
+            <a:spLocks noGrp="1"/>
+          </p:cNvSpPr>
+          <p:nvPr>
+            <p:ph type="title"/>
+          </p:nvPr>
+        </p:nvSpPr>
+        <p:spPr/>
+        <p:txBody>
+          <a:bodyPr/>
+          <a:lstStyle/>
+          <a:p>
+            <a:r>
+              <a:rPr lang="fr-FR" dirty="0"/>
+              <a:t>Bilan des compétences</a:t>
+            </a:r>
+          </a:p>
+        </p:txBody>
+      </p:sp>
+      <p:sp>
+        <p:nvSpPr>
+          <p:cNvPr id="3" name="Espace réservé du contenu 2">
+            <a:extLst>
+              <a:ext uri="{FF2B5EF4-FFF2-40B4-BE49-F238E27FC236}">
+                <a16:creationId xmlns:a16="http://schemas.microsoft.com/office/drawing/2014/main" id="{0A247538-D29D-4EF5-93BD-BE8855B144D3}"/>
+              </a:ext>
+            </a:extLst>
+          </p:cNvPr>
+          <p:cNvSpPr>
+            <a:spLocks noGrp="1"/>
+          </p:cNvSpPr>
+          <p:nvPr>
+            <p:ph idx="1"/>
+          </p:nvPr>
+        </p:nvSpPr>
+        <p:spPr/>
+        <p:txBody>
+          <a:bodyPr/>
+          <a:lstStyle/>
+          <a:p>
+            <a:endParaRPr lang="fr-FR"/>
+          </a:p>
+        </p:txBody>
+      </p:sp>
+    </p:spTree>
+    <p:extLst>
+      <p:ext uri="{BB962C8B-B14F-4D97-AF65-F5344CB8AC3E}">
+        <p14:creationId xmlns:p14="http://schemas.microsoft.com/office/powerpoint/2010/main" val="2992291429"/>
+      </p:ext>
+    </p:extLst>
+  </p:cSld>
+  <p:clrMapOvr>
+    <a:masterClrMapping/>
+  </p:clrMapOvr>
+</p:sld>
+</file>
+
 <file path=ppt/theme/theme1.xml><?xml version="1.0" encoding="utf-8"?>
 <a:theme xmlns:a="http://schemas.openxmlformats.org/drawingml/2006/main" name="Thème Office">
   <a:themeElements>

--- a/Presentation.pptx
+++ b/Presentation.pptx
@@ -9,12 +9,15 @@
     <p:sldId id="257" r:id="rId3"/>
     <p:sldId id="258" r:id="rId4"/>
     <p:sldId id="259" r:id="rId5"/>
-    <p:sldId id="260" r:id="rId6"/>
-    <p:sldId id="261" r:id="rId7"/>
-    <p:sldId id="262" r:id="rId8"/>
-    <p:sldId id="263" r:id="rId9"/>
-    <p:sldId id="264" r:id="rId10"/>
-    <p:sldId id="265" r:id="rId11"/>
+    <p:sldId id="266" r:id="rId6"/>
+    <p:sldId id="267" r:id="rId7"/>
+    <p:sldId id="268" r:id="rId8"/>
+    <p:sldId id="260" r:id="rId9"/>
+    <p:sldId id="261" r:id="rId10"/>
+    <p:sldId id="262" r:id="rId11"/>
+    <p:sldId id="263" r:id="rId12"/>
+    <p:sldId id="264" r:id="rId13"/>
+    <p:sldId id="265" r:id="rId14"/>
   </p:sldIdLst>
   <p:sldSz cx="12192000" cy="6858000"/>
   <p:notesSz cx="6858000" cy="9144000"/>
@@ -3427,6 +3430,255 @@
           <p:cNvPr id="2" name="Titre 1">
             <a:extLst>
               <a:ext uri="{FF2B5EF4-FFF2-40B4-BE49-F238E27FC236}">
+                <a16:creationId xmlns:a16="http://schemas.microsoft.com/office/drawing/2014/main" id="{2972057F-4E32-48F2-933B-F6BB0E61AB7A}"/>
+              </a:ext>
+            </a:extLst>
+          </p:cNvPr>
+          <p:cNvSpPr>
+            <a:spLocks noGrp="1"/>
+          </p:cNvSpPr>
+          <p:nvPr>
+            <p:ph type="title"/>
+          </p:nvPr>
+        </p:nvSpPr>
+        <p:spPr/>
+        <p:txBody>
+          <a:bodyPr/>
+          <a:lstStyle/>
+          <a:p>
+            <a:r>
+              <a:rPr lang="fr-FR" dirty="0"/>
+              <a:t>Sprint 3</a:t>
+            </a:r>
+          </a:p>
+        </p:txBody>
+      </p:sp>
+      <p:sp>
+        <p:nvSpPr>
+          <p:cNvPr id="3" name="Espace réservé du contenu 2">
+            <a:extLst>
+              <a:ext uri="{FF2B5EF4-FFF2-40B4-BE49-F238E27FC236}">
+                <a16:creationId xmlns:a16="http://schemas.microsoft.com/office/drawing/2014/main" id="{EE750D6E-5F72-49F8-A20D-916B93571896}"/>
+              </a:ext>
+            </a:extLst>
+          </p:cNvPr>
+          <p:cNvSpPr>
+            <a:spLocks noGrp="1"/>
+          </p:cNvSpPr>
+          <p:nvPr>
+            <p:ph idx="1"/>
+          </p:nvPr>
+        </p:nvSpPr>
+        <p:spPr/>
+        <p:txBody>
+          <a:bodyPr/>
+          <a:lstStyle/>
+          <a:p>
+            <a:endParaRPr lang="fr-FR"/>
+          </a:p>
+        </p:txBody>
+      </p:sp>
+    </p:spTree>
+    <p:extLst>
+      <p:ext uri="{BB962C8B-B14F-4D97-AF65-F5344CB8AC3E}">
+        <p14:creationId xmlns:p14="http://schemas.microsoft.com/office/powerpoint/2010/main" val="1187030591"/>
+      </p:ext>
+    </p:extLst>
+  </p:cSld>
+  <p:clrMapOvr>
+    <a:masterClrMapping/>
+  </p:clrMapOvr>
+</p:sld>
+</file>
+
+<file path=ppt/slides/slide11.xml><?xml version="1.0" encoding="utf-8"?>
+<p:sld xmlns:a="http://schemas.openxmlformats.org/drawingml/2006/main" xmlns:r="http://schemas.openxmlformats.org/officeDocument/2006/relationships" xmlns:p="http://schemas.openxmlformats.org/presentationml/2006/main">
+  <p:cSld>
+    <p:spTree>
+      <p:nvGrpSpPr>
+        <p:cNvPr id="1" name=""/>
+        <p:cNvGrpSpPr/>
+        <p:nvPr/>
+      </p:nvGrpSpPr>
+      <p:grpSpPr>
+        <a:xfrm>
+          <a:off x="0" y="0"/>
+          <a:ext cx="0" cy="0"/>
+          <a:chOff x="0" y="0"/>
+          <a:chExt cx="0" cy="0"/>
+        </a:xfrm>
+      </p:grpSpPr>
+      <p:sp>
+        <p:nvSpPr>
+          <p:cNvPr id="2" name="Titre 1">
+            <a:extLst>
+              <a:ext uri="{FF2B5EF4-FFF2-40B4-BE49-F238E27FC236}">
+                <a16:creationId xmlns:a16="http://schemas.microsoft.com/office/drawing/2014/main" id="{255CD5D8-EC9B-4855-B7B6-5320C8AD36B6}"/>
+              </a:ext>
+            </a:extLst>
+          </p:cNvPr>
+          <p:cNvSpPr>
+            <a:spLocks noGrp="1"/>
+          </p:cNvSpPr>
+          <p:nvPr>
+            <p:ph type="title"/>
+          </p:nvPr>
+        </p:nvSpPr>
+        <p:spPr/>
+        <p:txBody>
+          <a:bodyPr/>
+          <a:lstStyle/>
+          <a:p>
+            <a:r>
+              <a:rPr lang="fr-FR" dirty="0"/>
+              <a:t>Sprint 4</a:t>
+            </a:r>
+          </a:p>
+        </p:txBody>
+      </p:sp>
+      <p:sp>
+        <p:nvSpPr>
+          <p:cNvPr id="3" name="Espace réservé du contenu 2">
+            <a:extLst>
+              <a:ext uri="{FF2B5EF4-FFF2-40B4-BE49-F238E27FC236}">
+                <a16:creationId xmlns:a16="http://schemas.microsoft.com/office/drawing/2014/main" id="{AA55CCDF-BD13-4C72-A408-3E4876935687}"/>
+              </a:ext>
+            </a:extLst>
+          </p:cNvPr>
+          <p:cNvSpPr>
+            <a:spLocks noGrp="1"/>
+          </p:cNvSpPr>
+          <p:nvPr>
+            <p:ph idx="1"/>
+          </p:nvPr>
+        </p:nvSpPr>
+        <p:spPr/>
+        <p:txBody>
+          <a:bodyPr/>
+          <a:lstStyle/>
+          <a:p>
+            <a:endParaRPr lang="fr-FR"/>
+          </a:p>
+        </p:txBody>
+      </p:sp>
+    </p:spTree>
+    <p:extLst>
+      <p:ext uri="{BB962C8B-B14F-4D97-AF65-F5344CB8AC3E}">
+        <p14:creationId xmlns:p14="http://schemas.microsoft.com/office/powerpoint/2010/main" val="4118879453"/>
+      </p:ext>
+    </p:extLst>
+  </p:cSld>
+  <p:clrMapOvr>
+    <a:masterClrMapping/>
+  </p:clrMapOvr>
+</p:sld>
+</file>
+
+<file path=ppt/slides/slide12.xml><?xml version="1.0" encoding="utf-8"?>
+<p:sld xmlns:a="http://schemas.openxmlformats.org/drawingml/2006/main" xmlns:r="http://schemas.openxmlformats.org/officeDocument/2006/relationships" xmlns:p="http://schemas.openxmlformats.org/presentationml/2006/main">
+  <p:cSld>
+    <p:spTree>
+      <p:nvGrpSpPr>
+        <p:cNvPr id="1" name=""/>
+        <p:cNvGrpSpPr/>
+        <p:nvPr/>
+      </p:nvGrpSpPr>
+      <p:grpSpPr>
+        <a:xfrm>
+          <a:off x="0" y="0"/>
+          <a:ext cx="0" cy="0"/>
+          <a:chOff x="0" y="0"/>
+          <a:chExt cx="0" cy="0"/>
+        </a:xfrm>
+      </p:grpSpPr>
+      <p:sp>
+        <p:nvSpPr>
+          <p:cNvPr id="2" name="Titre 1">
+            <a:extLst>
+              <a:ext uri="{FF2B5EF4-FFF2-40B4-BE49-F238E27FC236}">
+                <a16:creationId xmlns:a16="http://schemas.microsoft.com/office/drawing/2014/main" id="{2A216FA4-056D-4803-BD7A-DB36C3E128D1}"/>
+              </a:ext>
+            </a:extLst>
+          </p:cNvPr>
+          <p:cNvSpPr>
+            <a:spLocks noGrp="1"/>
+          </p:cNvSpPr>
+          <p:nvPr>
+            <p:ph type="title"/>
+          </p:nvPr>
+        </p:nvSpPr>
+        <p:spPr/>
+        <p:txBody>
+          <a:bodyPr/>
+          <a:lstStyle/>
+          <a:p>
+            <a:r>
+              <a:rPr lang="fr-FR" dirty="0"/>
+              <a:t>Bilan des compétences</a:t>
+            </a:r>
+          </a:p>
+        </p:txBody>
+      </p:sp>
+      <p:sp>
+        <p:nvSpPr>
+          <p:cNvPr id="3" name="Espace réservé du contenu 2">
+            <a:extLst>
+              <a:ext uri="{FF2B5EF4-FFF2-40B4-BE49-F238E27FC236}">
+                <a16:creationId xmlns:a16="http://schemas.microsoft.com/office/drawing/2014/main" id="{0A247538-D29D-4EF5-93BD-BE8855B144D3}"/>
+              </a:ext>
+            </a:extLst>
+          </p:cNvPr>
+          <p:cNvSpPr>
+            <a:spLocks noGrp="1"/>
+          </p:cNvSpPr>
+          <p:nvPr>
+            <p:ph idx="1"/>
+          </p:nvPr>
+        </p:nvSpPr>
+        <p:spPr/>
+        <p:txBody>
+          <a:bodyPr/>
+          <a:lstStyle/>
+          <a:p>
+            <a:endParaRPr lang="fr-FR"/>
+          </a:p>
+        </p:txBody>
+      </p:sp>
+    </p:spTree>
+    <p:extLst>
+      <p:ext uri="{BB962C8B-B14F-4D97-AF65-F5344CB8AC3E}">
+        <p14:creationId xmlns:p14="http://schemas.microsoft.com/office/powerpoint/2010/main" val="2992291429"/>
+      </p:ext>
+    </p:extLst>
+  </p:cSld>
+  <p:clrMapOvr>
+    <a:masterClrMapping/>
+  </p:clrMapOvr>
+</p:sld>
+</file>
+
+<file path=ppt/slides/slide13.xml><?xml version="1.0" encoding="utf-8"?>
+<p:sld xmlns:a="http://schemas.openxmlformats.org/drawingml/2006/main" xmlns:r="http://schemas.openxmlformats.org/officeDocument/2006/relationships" xmlns:p="http://schemas.openxmlformats.org/presentationml/2006/main">
+  <p:cSld>
+    <p:spTree>
+      <p:nvGrpSpPr>
+        <p:cNvPr id="1" name=""/>
+        <p:cNvGrpSpPr/>
+        <p:nvPr/>
+      </p:nvGrpSpPr>
+      <p:grpSpPr>
+        <a:xfrm>
+          <a:off x="0" y="0"/>
+          <a:ext cx="0" cy="0"/>
+          <a:chOff x="0" y="0"/>
+          <a:chExt cx="0" cy="0"/>
+        </a:xfrm>
+      </p:grpSpPr>
+      <p:sp>
+        <p:nvSpPr>
+          <p:cNvPr id="2" name="Titre 1">
+            <a:extLst>
+              <a:ext uri="{FF2B5EF4-FFF2-40B4-BE49-F238E27FC236}">
                 <a16:creationId xmlns:a16="http://schemas.microsoft.com/office/drawing/2014/main" id="{3E3F838A-2262-4343-B976-DDA64069E693}"/>
               </a:ext>
             </a:extLst>
@@ -3444,7 +3696,7 @@
           <a:lstStyle/>
           <a:p>
             <a:r>
-              <a:rPr lang="fr-FR"/>
+              <a:rPr lang="fr-FR" dirty="0"/>
               <a:t>Démonstration</a:t>
             </a:r>
           </a:p>
@@ -3693,6 +3945,13 @@
               <a:rPr lang="fr-FR" dirty="0"/>
               <a:t>Diagrammes</a:t>
             </a:r>
+            <a:br>
+              <a:rPr lang="fr-FR" dirty="0"/>
+            </a:br>
+            <a:r>
+              <a:rPr lang="fr-FR" dirty="0"/>
+              <a:t>Use-case</a:t>
+            </a:r>
           </a:p>
         </p:txBody>
       </p:sp>
@@ -3717,7 +3976,7 @@
           <a:bodyPr/>
           <a:lstStyle/>
           <a:p>
-            <a:endParaRPr lang="fr-FR"/>
+            <a:endParaRPr lang="fr-FR" dirty="0"/>
           </a:p>
         </p:txBody>
       </p:sp>
@@ -3756,7 +4015,7 @@
           <p:cNvPr id="2" name="Titre 1">
             <a:extLst>
               <a:ext uri="{FF2B5EF4-FFF2-40B4-BE49-F238E27FC236}">
-                <a16:creationId xmlns:a16="http://schemas.microsoft.com/office/drawing/2014/main" id="{DFE5A8F8-B298-4647-ABAD-743A34ED1C2F}"/>
+                <a16:creationId xmlns:a16="http://schemas.microsoft.com/office/drawing/2014/main" id="{A79F3B3F-93F6-462C-BBBD-32A1C996EAC2}"/>
               </a:ext>
             </a:extLst>
           </p:cNvPr>
@@ -3774,7 +4033,14 @@
           <a:p>
             <a:r>
               <a:rPr lang="fr-FR" dirty="0"/>
-              <a:t>Sprint 1</a:t>
+              <a:t>Diagrammes</a:t>
+            </a:r>
+            <a:br>
+              <a:rPr lang="fr-FR" dirty="0"/>
+            </a:br>
+            <a:r>
+              <a:rPr lang="fr-FR" dirty="0"/>
+              <a:t>Scénarios</a:t>
             </a:r>
           </a:p>
         </p:txBody>
@@ -3784,7 +4050,7 @@
           <p:cNvPr id="3" name="Espace réservé du contenu 2">
             <a:extLst>
               <a:ext uri="{FF2B5EF4-FFF2-40B4-BE49-F238E27FC236}">
-                <a16:creationId xmlns:a16="http://schemas.microsoft.com/office/drawing/2014/main" id="{21274F79-0C1B-43A9-BC47-9FA8E3FD7C95}"/>
+                <a16:creationId xmlns:a16="http://schemas.microsoft.com/office/drawing/2014/main" id="{EA18F122-748B-41CE-B3FC-BFA950461DD5}"/>
               </a:ext>
             </a:extLst>
           </p:cNvPr>
@@ -3800,14 +4066,14 @@
           <a:bodyPr/>
           <a:lstStyle/>
           <a:p>
-            <a:endParaRPr lang="fr-FR"/>
+            <a:endParaRPr lang="fr-FR" dirty="0"/>
           </a:p>
         </p:txBody>
       </p:sp>
     </p:spTree>
     <p:extLst>
       <p:ext uri="{BB962C8B-B14F-4D97-AF65-F5344CB8AC3E}">
-        <p14:creationId xmlns:p14="http://schemas.microsoft.com/office/powerpoint/2010/main" val="1276739838"/>
+        <p14:creationId xmlns:p14="http://schemas.microsoft.com/office/powerpoint/2010/main" val="2078727631"/>
       </p:ext>
     </p:extLst>
   </p:cSld>
@@ -3839,7 +4105,7 @@
           <p:cNvPr id="2" name="Titre 1">
             <a:extLst>
               <a:ext uri="{FF2B5EF4-FFF2-40B4-BE49-F238E27FC236}">
-                <a16:creationId xmlns:a16="http://schemas.microsoft.com/office/drawing/2014/main" id="{649C269E-5C2F-4327-8ED7-646A40FE21E0}"/>
+                <a16:creationId xmlns:a16="http://schemas.microsoft.com/office/drawing/2014/main" id="{C3F73835-674B-4B65-9569-501C7E140A7E}"/>
               </a:ext>
             </a:extLst>
           </p:cNvPr>
@@ -3857,7 +4123,14 @@
           <a:p>
             <a:r>
               <a:rPr lang="fr-FR" dirty="0"/>
-              <a:t>Sprint 2</a:t>
+              <a:t>Diagrammes</a:t>
+            </a:r>
+            <a:br>
+              <a:rPr lang="fr-FR" dirty="0"/>
+            </a:br>
+            <a:r>
+              <a:rPr lang="fr-FR" dirty="0"/>
+              <a:t>Diagramme de séquence</a:t>
             </a:r>
           </a:p>
         </p:txBody>
@@ -3867,7 +4140,7 @@
           <p:cNvPr id="3" name="Espace réservé du contenu 2">
             <a:extLst>
               <a:ext uri="{FF2B5EF4-FFF2-40B4-BE49-F238E27FC236}">
-                <a16:creationId xmlns:a16="http://schemas.microsoft.com/office/drawing/2014/main" id="{6F5DF70A-F5A7-4DCE-B216-64469C566364}"/>
+                <a16:creationId xmlns:a16="http://schemas.microsoft.com/office/drawing/2014/main" id="{1FDD92DF-589A-409B-B1CB-67AB90620664}"/>
               </a:ext>
             </a:extLst>
           </p:cNvPr>
@@ -3890,7 +4163,7 @@
     </p:spTree>
     <p:extLst>
       <p:ext uri="{BB962C8B-B14F-4D97-AF65-F5344CB8AC3E}">
-        <p14:creationId xmlns:p14="http://schemas.microsoft.com/office/powerpoint/2010/main" val="1943926972"/>
+        <p14:creationId xmlns:p14="http://schemas.microsoft.com/office/powerpoint/2010/main" val="3475892749"/>
       </p:ext>
     </p:extLst>
   </p:cSld>
@@ -3922,7 +4195,7 @@
           <p:cNvPr id="2" name="Titre 1">
             <a:extLst>
               <a:ext uri="{FF2B5EF4-FFF2-40B4-BE49-F238E27FC236}">
-                <a16:creationId xmlns:a16="http://schemas.microsoft.com/office/drawing/2014/main" id="{2972057F-4E32-48F2-933B-F6BB0E61AB7A}"/>
+                <a16:creationId xmlns:a16="http://schemas.microsoft.com/office/drawing/2014/main" id="{2A2BF547-DD52-44EB-9F3C-61BABB4FAC07}"/>
               </a:ext>
             </a:extLst>
           </p:cNvPr>
@@ -3939,8 +4212,19 @@
           <a:lstStyle/>
           <a:p>
             <a:r>
+              <a:rPr lang="fr-FR"/>
+              <a:t>Diagrammes</a:t>
+            </a:r>
+            <a:br>
+              <a:rPr lang="fr-FR"/>
+            </a:br>
+            <a:r>
+              <a:rPr lang="fr-FR" dirty="0" err="1"/>
+              <a:t>Diagramme</a:t>
+            </a:r>
+            <a:r>
               <a:rPr lang="fr-FR" dirty="0"/>
-              <a:t>Sprint 3</a:t>
+              <a:t> de classe</a:t>
             </a:r>
           </a:p>
         </p:txBody>
@@ -3950,7 +4234,7 @@
           <p:cNvPr id="3" name="Espace réservé du contenu 2">
             <a:extLst>
               <a:ext uri="{FF2B5EF4-FFF2-40B4-BE49-F238E27FC236}">
-                <a16:creationId xmlns:a16="http://schemas.microsoft.com/office/drawing/2014/main" id="{EE750D6E-5F72-49F8-A20D-916B93571896}"/>
+                <a16:creationId xmlns:a16="http://schemas.microsoft.com/office/drawing/2014/main" id="{25C686E3-6839-4683-88A7-E6E5AD4BD551}"/>
               </a:ext>
             </a:extLst>
           </p:cNvPr>
@@ -3973,7 +4257,7 @@
     </p:spTree>
     <p:extLst>
       <p:ext uri="{BB962C8B-B14F-4D97-AF65-F5344CB8AC3E}">
-        <p14:creationId xmlns:p14="http://schemas.microsoft.com/office/powerpoint/2010/main" val="1187030591"/>
+        <p14:creationId xmlns:p14="http://schemas.microsoft.com/office/powerpoint/2010/main" val="2343022772"/>
       </p:ext>
     </p:extLst>
   </p:cSld>
@@ -4005,7 +4289,7 @@
           <p:cNvPr id="2" name="Titre 1">
             <a:extLst>
               <a:ext uri="{FF2B5EF4-FFF2-40B4-BE49-F238E27FC236}">
-                <a16:creationId xmlns:a16="http://schemas.microsoft.com/office/drawing/2014/main" id="{255CD5D8-EC9B-4855-B7B6-5320C8AD36B6}"/>
+                <a16:creationId xmlns:a16="http://schemas.microsoft.com/office/drawing/2014/main" id="{DFE5A8F8-B298-4647-ABAD-743A34ED1C2F}"/>
               </a:ext>
             </a:extLst>
           </p:cNvPr>
@@ -4023,7 +4307,7 @@
           <a:p>
             <a:r>
               <a:rPr lang="fr-FR" dirty="0"/>
-              <a:t>Sprint 4</a:t>
+              <a:t>Sprint 1</a:t>
             </a:r>
           </a:p>
         </p:txBody>
@@ -4033,7 +4317,7 @@
           <p:cNvPr id="3" name="Espace réservé du contenu 2">
             <a:extLst>
               <a:ext uri="{FF2B5EF4-FFF2-40B4-BE49-F238E27FC236}">
-                <a16:creationId xmlns:a16="http://schemas.microsoft.com/office/drawing/2014/main" id="{AA55CCDF-BD13-4C72-A408-3E4876935687}"/>
+                <a16:creationId xmlns:a16="http://schemas.microsoft.com/office/drawing/2014/main" id="{21274F79-0C1B-43A9-BC47-9FA8E3FD7C95}"/>
               </a:ext>
             </a:extLst>
           </p:cNvPr>
@@ -4056,7 +4340,7 @@
     </p:spTree>
     <p:extLst>
       <p:ext uri="{BB962C8B-B14F-4D97-AF65-F5344CB8AC3E}">
-        <p14:creationId xmlns:p14="http://schemas.microsoft.com/office/powerpoint/2010/main" val="4118879453"/>
+        <p14:creationId xmlns:p14="http://schemas.microsoft.com/office/powerpoint/2010/main" val="1276739838"/>
       </p:ext>
     </p:extLst>
   </p:cSld>
@@ -4088,7 +4372,7 @@
           <p:cNvPr id="2" name="Titre 1">
             <a:extLst>
               <a:ext uri="{FF2B5EF4-FFF2-40B4-BE49-F238E27FC236}">
-                <a16:creationId xmlns:a16="http://schemas.microsoft.com/office/drawing/2014/main" id="{2A216FA4-056D-4803-BD7A-DB36C3E128D1}"/>
+                <a16:creationId xmlns:a16="http://schemas.microsoft.com/office/drawing/2014/main" id="{649C269E-5C2F-4327-8ED7-646A40FE21E0}"/>
               </a:ext>
             </a:extLst>
           </p:cNvPr>
@@ -4106,7 +4390,7 @@
           <a:p>
             <a:r>
               <a:rPr lang="fr-FR" dirty="0"/>
-              <a:t>Bilan des compétences</a:t>
+              <a:t>Sprint 2</a:t>
             </a:r>
           </a:p>
         </p:txBody>
@@ -4116,7 +4400,7 @@
           <p:cNvPr id="3" name="Espace réservé du contenu 2">
             <a:extLst>
               <a:ext uri="{FF2B5EF4-FFF2-40B4-BE49-F238E27FC236}">
-                <a16:creationId xmlns:a16="http://schemas.microsoft.com/office/drawing/2014/main" id="{0A247538-D29D-4EF5-93BD-BE8855B144D3}"/>
+                <a16:creationId xmlns:a16="http://schemas.microsoft.com/office/drawing/2014/main" id="{6F5DF70A-F5A7-4DCE-B216-64469C566364}"/>
               </a:ext>
             </a:extLst>
           </p:cNvPr>
@@ -4139,7 +4423,7 @@
     </p:spTree>
     <p:extLst>
       <p:ext uri="{BB962C8B-B14F-4D97-AF65-F5344CB8AC3E}">
-        <p14:creationId xmlns:p14="http://schemas.microsoft.com/office/powerpoint/2010/main" val="2992291429"/>
+        <p14:creationId xmlns:p14="http://schemas.microsoft.com/office/powerpoint/2010/main" val="1943926972"/>
       </p:ext>
     </p:extLst>
   </p:cSld>

--- a/Presentation.pptx
+++ b/Presentation.pptx
@@ -12,12 +12,13 @@
     <p:sldId id="266" r:id="rId6"/>
     <p:sldId id="267" r:id="rId7"/>
     <p:sldId id="268" r:id="rId8"/>
-    <p:sldId id="260" r:id="rId9"/>
-    <p:sldId id="261" r:id="rId10"/>
-    <p:sldId id="262" r:id="rId11"/>
-    <p:sldId id="263" r:id="rId12"/>
-    <p:sldId id="264" r:id="rId13"/>
-    <p:sldId id="265" r:id="rId14"/>
+    <p:sldId id="269" r:id="rId9"/>
+    <p:sldId id="260" r:id="rId10"/>
+    <p:sldId id="261" r:id="rId11"/>
+    <p:sldId id="262" r:id="rId12"/>
+    <p:sldId id="263" r:id="rId13"/>
+    <p:sldId id="264" r:id="rId14"/>
+    <p:sldId id="265" r:id="rId15"/>
   </p:sldIdLst>
   <p:sldSz cx="12192000" cy="6858000"/>
   <p:notesSz cx="6858000" cy="9144000"/>
@@ -3430,7 +3431,7 @@
           <p:cNvPr id="2" name="Titre 1">
             <a:extLst>
               <a:ext uri="{FF2B5EF4-FFF2-40B4-BE49-F238E27FC236}">
-                <a16:creationId xmlns:a16="http://schemas.microsoft.com/office/drawing/2014/main" id="{2972057F-4E32-48F2-933B-F6BB0E61AB7A}"/>
+                <a16:creationId xmlns:a16="http://schemas.microsoft.com/office/drawing/2014/main" id="{649C269E-5C2F-4327-8ED7-646A40FE21E0}"/>
               </a:ext>
             </a:extLst>
           </p:cNvPr>
@@ -3448,7 +3449,7 @@
           <a:p>
             <a:r>
               <a:rPr lang="fr-FR" dirty="0"/>
-              <a:t>Sprint 3</a:t>
+              <a:t>Sprint 2</a:t>
             </a:r>
           </a:p>
         </p:txBody>
@@ -3458,7 +3459,7 @@
           <p:cNvPr id="3" name="Espace réservé du contenu 2">
             <a:extLst>
               <a:ext uri="{FF2B5EF4-FFF2-40B4-BE49-F238E27FC236}">
-                <a16:creationId xmlns:a16="http://schemas.microsoft.com/office/drawing/2014/main" id="{EE750D6E-5F72-49F8-A20D-916B93571896}"/>
+                <a16:creationId xmlns:a16="http://schemas.microsoft.com/office/drawing/2014/main" id="{6F5DF70A-F5A7-4DCE-B216-64469C566364}"/>
               </a:ext>
             </a:extLst>
           </p:cNvPr>
@@ -3474,14 +3475,51 @@
           <a:bodyPr/>
           <a:lstStyle/>
           <a:p>
-            <a:endParaRPr lang="fr-FR"/>
+            <a:r>
+              <a:rPr lang="fr-FR" dirty="0"/>
+              <a:t>Fonctionnalités :	</a:t>
+            </a:r>
+            <a:r>
+              <a:rPr lang="fr-FR" sz="1800" dirty="0"/>
+              <a:t>Collision du joueur avec les murs</a:t>
+            </a:r>
+          </a:p>
+          <a:p>
+            <a:pPr marL="2743200" lvl="6" indent="0">
+              <a:buNone/>
+            </a:pPr>
+            <a:r>
+              <a:rPr lang="fr-FR" dirty="0"/>
+              <a:t>Le joueur gagne en arrivant sur un trésor</a:t>
+            </a:r>
+          </a:p>
+          <a:p>
+            <a:pPr marL="2743200" lvl="6" indent="0">
+              <a:buNone/>
+            </a:pPr>
+            <a:r>
+              <a:rPr lang="fr-FR" dirty="0"/>
+              <a:t>Le joueur gagne un bonus</a:t>
+            </a:r>
+          </a:p>
+          <a:p>
+            <a:pPr marL="2743200" lvl="6" indent="0">
+              <a:buNone/>
+            </a:pPr>
+            <a:r>
+              <a:rPr lang="fr-FR" dirty="0"/>
+              <a:t>Génération d’un monstre</a:t>
+            </a:r>
+          </a:p>
+          <a:p>
+            <a:endParaRPr lang="fr-FR" dirty="0"/>
           </a:p>
         </p:txBody>
       </p:sp>
     </p:spTree>
     <p:extLst>
       <p:ext uri="{BB962C8B-B14F-4D97-AF65-F5344CB8AC3E}">
-        <p14:creationId xmlns:p14="http://schemas.microsoft.com/office/powerpoint/2010/main" val="1187030591"/>
+        <p14:creationId xmlns:p14="http://schemas.microsoft.com/office/powerpoint/2010/main" val="1943926972"/>
       </p:ext>
     </p:extLst>
   </p:cSld>
@@ -3513,7 +3551,7 @@
           <p:cNvPr id="2" name="Titre 1">
             <a:extLst>
               <a:ext uri="{FF2B5EF4-FFF2-40B4-BE49-F238E27FC236}">
-                <a16:creationId xmlns:a16="http://schemas.microsoft.com/office/drawing/2014/main" id="{255CD5D8-EC9B-4855-B7B6-5320C8AD36B6}"/>
+                <a16:creationId xmlns:a16="http://schemas.microsoft.com/office/drawing/2014/main" id="{2972057F-4E32-48F2-933B-F6BB0E61AB7A}"/>
               </a:ext>
             </a:extLst>
           </p:cNvPr>
@@ -3531,7 +3569,7 @@
           <a:p>
             <a:r>
               <a:rPr lang="fr-FR" dirty="0"/>
-              <a:t>Sprint 4</a:t>
+              <a:t>Sprint 3</a:t>
             </a:r>
           </a:p>
         </p:txBody>
@@ -3541,7 +3579,7 @@
           <p:cNvPr id="3" name="Espace réservé du contenu 2">
             <a:extLst>
               <a:ext uri="{FF2B5EF4-FFF2-40B4-BE49-F238E27FC236}">
-                <a16:creationId xmlns:a16="http://schemas.microsoft.com/office/drawing/2014/main" id="{AA55CCDF-BD13-4C72-A408-3E4876935687}"/>
+                <a16:creationId xmlns:a16="http://schemas.microsoft.com/office/drawing/2014/main" id="{EE750D6E-5F72-49F8-A20D-916B93571896}"/>
               </a:ext>
             </a:extLst>
           </p:cNvPr>
@@ -3557,14 +3595,60 @@
           <a:bodyPr/>
           <a:lstStyle/>
           <a:p>
-            <a:endParaRPr lang="fr-FR"/>
+            <a:r>
+              <a:rPr lang="fr-FR" dirty="0"/>
+              <a:t>Fonctionnalités :	</a:t>
+            </a:r>
+            <a:r>
+              <a:rPr lang="fr-FR" sz="1800" dirty="0"/>
+              <a:t>Gestion des points de vie</a:t>
+            </a:r>
+          </a:p>
+          <a:p>
+            <a:pPr marL="2743200" lvl="6" indent="0">
+              <a:buNone/>
+            </a:pPr>
+            <a:r>
+              <a:rPr lang="fr-FR" dirty="0"/>
+              <a:t>Attaque du joueur</a:t>
+            </a:r>
+          </a:p>
+          <a:p>
+            <a:pPr marL="2743200" lvl="6" indent="0">
+              <a:buNone/>
+            </a:pPr>
+            <a:r>
+              <a:rPr lang="fr-FR" dirty="0"/>
+              <a:t>Monstre qui traque le joueur</a:t>
+            </a:r>
+          </a:p>
+          <a:p>
+            <a:pPr marL="2743200" lvl="6" indent="0">
+              <a:buNone/>
+            </a:pPr>
+            <a:r>
+              <a:rPr lang="fr-FR" dirty="0"/>
+              <a:t>Monstre fantôme</a:t>
+            </a:r>
+          </a:p>
+          <a:p>
+            <a:pPr marL="2743200" lvl="6" indent="0">
+              <a:buNone/>
+            </a:pPr>
+            <a:r>
+              <a:rPr lang="fr-FR" dirty="0"/>
+              <a:t>Le joueur gagne des bonus plus diverse</a:t>
+            </a:r>
+          </a:p>
+          <a:p>
+            <a:endParaRPr lang="fr-FR" dirty="0"/>
           </a:p>
         </p:txBody>
       </p:sp>
     </p:spTree>
     <p:extLst>
       <p:ext uri="{BB962C8B-B14F-4D97-AF65-F5344CB8AC3E}">
-        <p14:creationId xmlns:p14="http://schemas.microsoft.com/office/powerpoint/2010/main" val="4118879453"/>
+        <p14:creationId xmlns:p14="http://schemas.microsoft.com/office/powerpoint/2010/main" val="1187030591"/>
       </p:ext>
     </p:extLst>
   </p:cSld>
@@ -3596,6 +3680,100 @@
           <p:cNvPr id="2" name="Titre 1">
             <a:extLst>
               <a:ext uri="{FF2B5EF4-FFF2-40B4-BE49-F238E27FC236}">
+                <a16:creationId xmlns:a16="http://schemas.microsoft.com/office/drawing/2014/main" id="{255CD5D8-EC9B-4855-B7B6-5320C8AD36B6}"/>
+              </a:ext>
+            </a:extLst>
+          </p:cNvPr>
+          <p:cNvSpPr>
+            <a:spLocks noGrp="1"/>
+          </p:cNvSpPr>
+          <p:nvPr>
+            <p:ph type="title"/>
+          </p:nvPr>
+        </p:nvSpPr>
+        <p:spPr/>
+        <p:txBody>
+          <a:bodyPr/>
+          <a:lstStyle/>
+          <a:p>
+            <a:r>
+              <a:rPr lang="fr-FR" dirty="0"/>
+              <a:t>Sprint 4</a:t>
+            </a:r>
+          </a:p>
+        </p:txBody>
+      </p:sp>
+      <p:sp>
+        <p:nvSpPr>
+          <p:cNvPr id="3" name="Espace réservé du contenu 2">
+            <a:extLst>
+              <a:ext uri="{FF2B5EF4-FFF2-40B4-BE49-F238E27FC236}">
+                <a16:creationId xmlns:a16="http://schemas.microsoft.com/office/drawing/2014/main" id="{AA55CCDF-BD13-4C72-A408-3E4876935687}"/>
+              </a:ext>
+            </a:extLst>
+          </p:cNvPr>
+          <p:cNvSpPr>
+            <a:spLocks noGrp="1"/>
+          </p:cNvSpPr>
+          <p:nvPr>
+            <p:ph idx="1"/>
+          </p:nvPr>
+        </p:nvSpPr>
+        <p:spPr/>
+        <p:txBody>
+          <a:bodyPr/>
+          <a:lstStyle/>
+          <a:p>
+            <a:r>
+              <a:rPr lang="fr-FR" dirty="0"/>
+              <a:t>Fonctionnalités :	</a:t>
+            </a:r>
+            <a:r>
+              <a:rPr lang="fr-FR" sz="1800" dirty="0"/>
+              <a:t>Amélioration du monstre qui traque le joueur</a:t>
+            </a:r>
+            <a:endParaRPr lang="fr-FR" dirty="0"/>
+          </a:p>
+          <a:p>
+            <a:endParaRPr lang="fr-FR" dirty="0"/>
+          </a:p>
+        </p:txBody>
+      </p:sp>
+    </p:spTree>
+    <p:extLst>
+      <p:ext uri="{BB962C8B-B14F-4D97-AF65-F5344CB8AC3E}">
+        <p14:creationId xmlns:p14="http://schemas.microsoft.com/office/powerpoint/2010/main" val="4118879453"/>
+      </p:ext>
+    </p:extLst>
+  </p:cSld>
+  <p:clrMapOvr>
+    <a:masterClrMapping/>
+  </p:clrMapOvr>
+</p:sld>
+</file>
+
+<file path=ppt/slides/slide13.xml><?xml version="1.0" encoding="utf-8"?>
+<p:sld xmlns:a="http://schemas.openxmlformats.org/drawingml/2006/main" xmlns:r="http://schemas.openxmlformats.org/officeDocument/2006/relationships" xmlns:p="http://schemas.openxmlformats.org/presentationml/2006/main">
+  <p:cSld>
+    <p:spTree>
+      <p:nvGrpSpPr>
+        <p:cNvPr id="1" name=""/>
+        <p:cNvGrpSpPr/>
+        <p:nvPr/>
+      </p:nvGrpSpPr>
+      <p:grpSpPr>
+        <a:xfrm>
+          <a:off x="0" y="0"/>
+          <a:ext cx="0" cy="0"/>
+          <a:chOff x="0" y="0"/>
+          <a:chExt cx="0" cy="0"/>
+        </a:xfrm>
+      </p:grpSpPr>
+      <p:sp>
+        <p:nvSpPr>
+          <p:cNvPr id="2" name="Titre 1">
+            <a:extLst>
+              <a:ext uri="{FF2B5EF4-FFF2-40B4-BE49-F238E27FC236}">
                 <a16:creationId xmlns:a16="http://schemas.microsoft.com/office/drawing/2014/main" id="{2A216FA4-056D-4803-BD7A-DB36C3E128D1}"/>
               </a:ext>
             </a:extLst>
@@ -3657,7 +3835,7 @@
 </p:sld>
 </file>
 
-<file path=ppt/slides/slide13.xml><?xml version="1.0" encoding="utf-8"?>
+<file path=ppt/slides/slide14.xml><?xml version="1.0" encoding="utf-8"?>
 <p:sld xmlns:a="http://schemas.openxmlformats.org/drawingml/2006/main" xmlns:r="http://schemas.openxmlformats.org/officeDocument/2006/relationships" xmlns:p="http://schemas.openxmlformats.org/presentationml/2006/main">
   <p:cSld>
     <p:spTree>
@@ -4289,7 +4467,7 @@
           <p:cNvPr id="2" name="Titre 1">
             <a:extLst>
               <a:ext uri="{FF2B5EF4-FFF2-40B4-BE49-F238E27FC236}">
-                <a16:creationId xmlns:a16="http://schemas.microsoft.com/office/drawing/2014/main" id="{DFE5A8F8-B298-4647-ABAD-743A34ED1C2F}"/>
+                <a16:creationId xmlns:a16="http://schemas.microsoft.com/office/drawing/2014/main" id="{A9A63428-E394-4448-A930-A137E4F6A42D}"/>
               </a:ext>
             </a:extLst>
           </p:cNvPr>
@@ -4307,7 +4485,7 @@
           <a:p>
             <a:r>
               <a:rPr lang="fr-FR" dirty="0"/>
-              <a:t>Sprint 1</a:t>
+              <a:t>Sprint 0</a:t>
             </a:r>
           </a:p>
         </p:txBody>
@@ -4317,7 +4495,7 @@
           <p:cNvPr id="3" name="Espace réservé du contenu 2">
             <a:extLst>
               <a:ext uri="{FF2B5EF4-FFF2-40B4-BE49-F238E27FC236}">
-                <a16:creationId xmlns:a16="http://schemas.microsoft.com/office/drawing/2014/main" id="{21274F79-0C1B-43A9-BC47-9FA8E3FD7C95}"/>
+                <a16:creationId xmlns:a16="http://schemas.microsoft.com/office/drawing/2014/main" id="{B01829C9-3C2F-43BF-825B-8E07BEF6DC2A}"/>
               </a:ext>
             </a:extLst>
           </p:cNvPr>
@@ -4333,14 +4511,25 @@
           <a:bodyPr/>
           <a:lstStyle/>
           <a:p>
-            <a:endParaRPr lang="fr-FR"/>
+            <a:r>
+              <a:rPr lang="fr-FR" dirty="0"/>
+              <a:t>Mis en place du projet </a:t>
+            </a:r>
+            <a:r>
+              <a:rPr lang="fr-FR" dirty="0" err="1"/>
+              <a:t>github</a:t>
+            </a:r>
+            <a:r>
+              <a:rPr lang="fr-FR" dirty="0"/>
+              <a:t> (WIP)</a:t>
+            </a:r>
           </a:p>
         </p:txBody>
       </p:sp>
     </p:spTree>
     <p:extLst>
       <p:ext uri="{BB962C8B-B14F-4D97-AF65-F5344CB8AC3E}">
-        <p14:creationId xmlns:p14="http://schemas.microsoft.com/office/powerpoint/2010/main" val="1276739838"/>
+        <p14:creationId xmlns:p14="http://schemas.microsoft.com/office/powerpoint/2010/main" val="2456533174"/>
       </p:ext>
     </p:extLst>
   </p:cSld>
@@ -4372,7 +4561,7 @@
           <p:cNvPr id="2" name="Titre 1">
             <a:extLst>
               <a:ext uri="{FF2B5EF4-FFF2-40B4-BE49-F238E27FC236}">
-                <a16:creationId xmlns:a16="http://schemas.microsoft.com/office/drawing/2014/main" id="{649C269E-5C2F-4327-8ED7-646A40FE21E0}"/>
+                <a16:creationId xmlns:a16="http://schemas.microsoft.com/office/drawing/2014/main" id="{DFE5A8F8-B298-4647-ABAD-743A34ED1C2F}"/>
               </a:ext>
             </a:extLst>
           </p:cNvPr>
@@ -4390,7 +4579,7 @@
           <a:p>
             <a:r>
               <a:rPr lang="fr-FR" dirty="0"/>
-              <a:t>Sprint 2</a:t>
+              <a:t>Sprint 1</a:t>
             </a:r>
           </a:p>
         </p:txBody>
@@ -4400,7 +4589,7 @@
           <p:cNvPr id="3" name="Espace réservé du contenu 2">
             <a:extLst>
               <a:ext uri="{FF2B5EF4-FFF2-40B4-BE49-F238E27FC236}">
-                <a16:creationId xmlns:a16="http://schemas.microsoft.com/office/drawing/2014/main" id="{6F5DF70A-F5A7-4DCE-B216-64469C566364}"/>
+                <a16:creationId xmlns:a16="http://schemas.microsoft.com/office/drawing/2014/main" id="{21274F79-0C1B-43A9-BC47-9FA8E3FD7C95}"/>
               </a:ext>
             </a:extLst>
           </p:cNvPr>
@@ -4416,14 +4605,42 @@
           <a:bodyPr/>
           <a:lstStyle/>
           <a:p>
-            <a:endParaRPr lang="fr-FR"/>
+            <a:r>
+              <a:rPr lang="fr-FR" dirty="0"/>
+              <a:t>Fonctionnalités :	</a:t>
+            </a:r>
+            <a:r>
+              <a:rPr lang="fr-FR" sz="1800" dirty="0"/>
+              <a:t>Affichage par</a:t>
+            </a:r>
+          </a:p>
+          <a:p>
+            <a:pPr marL="2743200" lvl="6" indent="0">
+              <a:buNone/>
+            </a:pPr>
+            <a:r>
+              <a:rPr lang="fr-FR" dirty="0"/>
+              <a:t>Génération du Labyrinthe par</a:t>
+            </a:r>
+          </a:p>
+          <a:p>
+            <a:pPr marL="2743200" lvl="6" indent="0">
+              <a:buNone/>
+            </a:pPr>
+            <a:r>
+              <a:rPr lang="fr-FR" dirty="0"/>
+              <a:t>Déplacement du héros par</a:t>
+            </a:r>
+          </a:p>
+          <a:p>
+            <a:endParaRPr lang="fr-FR" dirty="0"/>
           </a:p>
         </p:txBody>
       </p:sp>
     </p:spTree>
     <p:extLst>
       <p:ext uri="{BB962C8B-B14F-4D97-AF65-F5344CB8AC3E}">
-        <p14:creationId xmlns:p14="http://schemas.microsoft.com/office/powerpoint/2010/main" val="1943926972"/>
+        <p14:creationId xmlns:p14="http://schemas.microsoft.com/office/powerpoint/2010/main" val="1276739838"/>
       </p:ext>
     </p:extLst>
   </p:cSld>
